--- a/lysyi_pavlos.pptx
+++ b/lysyi_pavlos.pptx
@@ -295,7 +295,7 @@
           <a:p>
             <a:fld id="{B4C71EC6-210F-42DE-9C53-41977AD35B3D}" type="datetimeFigureOut">
               <a:rPr lang="ru-RU" smtClean="0"/>
-              <a:t>16.02.2020</a:t>
+              <a:t>28.05.2020</a:t>
             </a:fld>
             <a:endParaRPr lang="ru-RU"/>
           </a:p>
@@ -460,7 +460,7 @@
           <a:p>
             <a:fld id="{B4C71EC6-210F-42DE-9C53-41977AD35B3D}" type="datetimeFigureOut">
               <a:rPr lang="ru-RU" smtClean="0"/>
-              <a:t>16.02.2020</a:t>
+              <a:t>28.05.2020</a:t>
             </a:fld>
             <a:endParaRPr lang="ru-RU"/>
           </a:p>
@@ -635,7 +635,7 @@
           <a:p>
             <a:fld id="{B4C71EC6-210F-42DE-9C53-41977AD35B3D}" type="datetimeFigureOut">
               <a:rPr lang="ru-RU" smtClean="0"/>
-              <a:t>16.02.2020</a:t>
+              <a:t>28.05.2020</a:t>
             </a:fld>
             <a:endParaRPr lang="ru-RU"/>
           </a:p>
@@ -800,7 +800,7 @@
           <a:p>
             <a:fld id="{B4C71EC6-210F-42DE-9C53-41977AD35B3D}" type="datetimeFigureOut">
               <a:rPr lang="ru-RU" smtClean="0"/>
-              <a:t>16.02.2020</a:t>
+              <a:t>28.05.2020</a:t>
             </a:fld>
             <a:endParaRPr lang="ru-RU"/>
           </a:p>
@@ -1041,7 +1041,7 @@
           <a:p>
             <a:fld id="{B4C71EC6-210F-42DE-9C53-41977AD35B3D}" type="datetimeFigureOut">
               <a:rPr lang="ru-RU" smtClean="0"/>
-              <a:t>16.02.2020</a:t>
+              <a:t>28.05.2020</a:t>
             </a:fld>
             <a:endParaRPr lang="ru-RU"/>
           </a:p>
@@ -1324,7 +1324,7 @@
           <a:p>
             <a:fld id="{B4C71EC6-210F-42DE-9C53-41977AD35B3D}" type="datetimeFigureOut">
               <a:rPr lang="ru-RU" smtClean="0"/>
-              <a:t>16.02.2020</a:t>
+              <a:t>28.05.2020</a:t>
             </a:fld>
             <a:endParaRPr lang="ru-RU"/>
           </a:p>
@@ -1741,7 +1741,7 @@
           <a:p>
             <a:fld id="{B4C71EC6-210F-42DE-9C53-41977AD35B3D}" type="datetimeFigureOut">
               <a:rPr lang="ru-RU" smtClean="0"/>
-              <a:t>16.02.2020</a:t>
+              <a:t>28.05.2020</a:t>
             </a:fld>
             <a:endParaRPr lang="ru-RU"/>
           </a:p>
@@ -1854,7 +1854,7 @@
           <a:p>
             <a:fld id="{B4C71EC6-210F-42DE-9C53-41977AD35B3D}" type="datetimeFigureOut">
               <a:rPr lang="ru-RU" smtClean="0"/>
-              <a:t>16.02.2020</a:t>
+              <a:t>28.05.2020</a:t>
             </a:fld>
             <a:endParaRPr lang="ru-RU"/>
           </a:p>
@@ -1944,7 +1944,7 @@
           <a:p>
             <a:fld id="{B4C71EC6-210F-42DE-9C53-41977AD35B3D}" type="datetimeFigureOut">
               <a:rPr lang="ru-RU" smtClean="0"/>
-              <a:t>16.02.2020</a:t>
+              <a:t>28.05.2020</a:t>
             </a:fld>
             <a:endParaRPr lang="ru-RU"/>
           </a:p>
@@ -2216,7 +2216,7 @@
           <a:p>
             <a:fld id="{B4C71EC6-210F-42DE-9C53-41977AD35B3D}" type="datetimeFigureOut">
               <a:rPr lang="ru-RU" smtClean="0"/>
-              <a:t>16.02.2020</a:t>
+              <a:t>28.05.2020</a:t>
             </a:fld>
             <a:endParaRPr lang="ru-RU"/>
           </a:p>
@@ -2464,7 +2464,7 @@
           <a:p>
             <a:fld id="{B4C71EC6-210F-42DE-9C53-41977AD35B3D}" type="datetimeFigureOut">
               <a:rPr lang="ru-RU" smtClean="0"/>
-              <a:t>16.02.2020</a:t>
+              <a:t>28.05.2020</a:t>
             </a:fld>
             <a:endParaRPr lang="ru-RU"/>
           </a:p>
@@ -2672,7 +2672,7 @@
           <a:p>
             <a:fld id="{B4C71EC6-210F-42DE-9C53-41977AD35B3D}" type="datetimeFigureOut">
               <a:rPr lang="ru-RU" smtClean="0"/>
-              <a:t>16.02.2020</a:t>
+              <a:t>28.05.2020</a:t>
             </a:fld>
             <a:endParaRPr lang="ru-RU"/>
           </a:p>
@@ -3140,14 +3140,34 @@
           <a:lstStyle/>
           <a:p>
             <a:r>
-              <a:rPr lang="uk-UA" b="1" dirty="0" smtClean="0">
+              <a:rPr lang="en-US" b="1" dirty="0" smtClean="0">
                 <a:solidFill>
                   <a:schemeClr val="accent6"/>
                 </a:solidFill>
                 <a:latin typeface="Times New Roman" pitchFamily="18" charset="0"/>
                 <a:cs typeface="Times New Roman" pitchFamily="18" charset="0"/>
               </a:rPr>
-              <a:t>Тема проекту</a:t>
+              <a:t>Time </a:t>
+            </a:r>
+            <a:r>
+              <a:rPr lang="en-US" b="1" dirty="0" err="1">
+                <a:solidFill>
+                  <a:schemeClr val="accent6"/>
+                </a:solidFill>
+                <a:latin typeface="Times New Roman" pitchFamily="18" charset="0"/>
+                <a:cs typeface="Times New Roman" pitchFamily="18" charset="0"/>
+              </a:rPr>
+              <a:t>managment</a:t>
+            </a:r>
+            <a:r>
+              <a:rPr lang="en-US" b="1" dirty="0">
+                <a:solidFill>
+                  <a:schemeClr val="accent6"/>
+                </a:solidFill>
+                <a:latin typeface="Times New Roman" pitchFamily="18" charset="0"/>
+                <a:cs typeface="Times New Roman" pitchFamily="18" charset="0"/>
+              </a:rPr>
+              <a:t> app</a:t>
             </a:r>
             <a:endParaRPr lang="ru-RU" b="1" dirty="0">
               <a:solidFill>
@@ -3662,36 +3682,6 @@
               <a:buNone/>
             </a:pPr>
             <a:r>
-              <a:rPr lang="uk-UA" sz="1600" dirty="0" smtClean="0">
-                <a:latin typeface="Times New Roman" pitchFamily="18" charset="0"/>
-                <a:cs typeface="Times New Roman" pitchFamily="18" charset="0"/>
-              </a:rPr>
-              <a:t>-</a:t>
-            </a:r>
-            <a:r>
-              <a:rPr lang="en-US" sz="1600" dirty="0" smtClean="0">
-                <a:latin typeface="Times New Roman" pitchFamily="18" charset="0"/>
-                <a:cs typeface="Times New Roman" pitchFamily="18" charset="0"/>
-              </a:rPr>
-              <a:t> </a:t>
-            </a:r>
-            <a:r>
-              <a:rPr lang="uk-UA" sz="1600" dirty="0" smtClean="0">
-                <a:latin typeface="Times New Roman" pitchFamily="18" charset="0"/>
-                <a:cs typeface="Times New Roman" pitchFamily="18" charset="0"/>
-              </a:rPr>
-              <a:t>нотатки були вручну, або їх не вели взагалі</a:t>
-            </a:r>
-            <a:endParaRPr lang="en-US" sz="1600" dirty="0" smtClean="0">
-              <a:latin typeface="Times New Roman" pitchFamily="18" charset="0"/>
-              <a:cs typeface="Times New Roman" pitchFamily="18" charset="0"/>
-            </a:endParaRPr>
-          </a:p>
-          <a:p>
-            <a:pPr marL="0" indent="0">
-              <a:buNone/>
-            </a:pPr>
-            <a:r>
               <a:rPr lang="en-US" sz="1600" dirty="0" smtClean="0">
                 <a:latin typeface="Times New Roman" pitchFamily="18" charset="0"/>
                 <a:cs typeface="Times New Roman" pitchFamily="18" charset="0"/>
@@ -3733,7 +3723,7 @@
         <p:spPr>
           <a:xfrm>
             <a:off x="2843808" y="1124744"/>
-            <a:ext cx="2592288" cy="2062103"/>
+            <a:ext cx="2592288" cy="2308324"/>
           </a:xfrm>
           <a:prstGeom prst="rect">
             <a:avLst/>
@@ -3766,8 +3756,19 @@
                 <a:latin typeface="Times New Roman" pitchFamily="18" charset="0"/>
                 <a:cs typeface="Times New Roman" pitchFamily="18" charset="0"/>
               </a:rPr>
-              <a:t> зручного додатку/ телеграм-боту</a:t>
-            </a:r>
+              <a:t> зручного </a:t>
+            </a:r>
+            <a:r>
+              <a:rPr lang="uk-UA" sz="1600" dirty="0" smtClean="0">
+                <a:latin typeface="Times New Roman" pitchFamily="18" charset="0"/>
+                <a:cs typeface="Times New Roman" pitchFamily="18" charset="0"/>
+              </a:rPr>
+              <a:t>сервісу для доступу до свого розкладу</a:t>
+            </a:r>
+            <a:endParaRPr lang="uk-UA" sz="1600" dirty="0" smtClean="0">
+              <a:latin typeface="Times New Roman" pitchFamily="18" charset="0"/>
+              <a:cs typeface="Times New Roman" pitchFamily="18" charset="0"/>
+            </a:endParaRPr>
           </a:p>
           <a:p>
             <a:r>
@@ -3823,7 +3824,7 @@
         <p:spPr>
           <a:xfrm>
             <a:off x="5436096" y="1162635"/>
-            <a:ext cx="2592288" cy="1815882"/>
+            <a:ext cx="2592288" cy="1569660"/>
           </a:xfrm>
           <a:prstGeom prst="rect">
             <a:avLst/>
@@ -3849,7 +3850,21 @@
                 <a:latin typeface="Times New Roman" pitchFamily="18" charset="0"/>
                 <a:cs typeface="Times New Roman" pitchFamily="18" charset="0"/>
               </a:rPr>
-              <a:t>- впровадження телеграм-бота для зручного і швидкого доступу до свого розкладу</a:t>
+              <a:t>- впровадження </a:t>
+            </a:r>
+            <a:r>
+              <a:rPr lang="uk-UA" sz="1600" dirty="0" smtClean="0">
+                <a:latin typeface="Times New Roman" pitchFamily="18" charset="0"/>
+                <a:cs typeface="Times New Roman" pitchFamily="18" charset="0"/>
+              </a:rPr>
+              <a:t>сервісу </a:t>
+            </a:r>
+            <a:r>
+              <a:rPr lang="uk-UA" sz="1600" dirty="0" smtClean="0">
+                <a:latin typeface="Times New Roman" pitchFamily="18" charset="0"/>
+                <a:cs typeface="Times New Roman" pitchFamily="18" charset="0"/>
+              </a:rPr>
+              <a:t>для зручного і швидкого доступу до свого розкладу</a:t>
             </a:r>
           </a:p>
           <a:p>
@@ -4675,9 +4690,97 @@
           </a:p>
         </p:txBody>
       </p:sp>
+      <p:sp>
+        <p:nvSpPr>
+          <p:cNvPr id="4" name="Прямоугольник 3"/>
+          <p:cNvSpPr/>
+          <p:nvPr/>
+        </p:nvSpPr>
+        <p:spPr>
+          <a:xfrm>
+            <a:off x="971600" y="3670375"/>
+            <a:ext cx="4022768" cy="923330"/>
+          </a:xfrm>
+          <a:prstGeom prst="rect">
+            <a:avLst/>
+          </a:prstGeom>
+        </p:spPr>
+        <p:txBody>
+          <a:bodyPr wrap="none">
+            <a:spAutoFit/>
+          </a:bodyPr>
+          <a:lstStyle/>
+          <a:p>
+            <a:r>
+              <a:rPr lang="uk-UA" dirty="0" smtClean="0"/>
+              <a:t>Кількість виконаних завдань по </a:t>
+            </a:r>
+          </a:p>
+          <a:p>
+            <a:r>
+              <a:rPr lang="uk-UA" dirty="0"/>
+              <a:t>в</a:t>
+            </a:r>
+            <a:r>
+              <a:rPr lang="uk-UA" dirty="0" smtClean="0"/>
+              <a:t>ідношенню до всіх завдань за останні</a:t>
+            </a:r>
+          </a:p>
+          <a:p>
+            <a:r>
+              <a:rPr lang="uk-UA" dirty="0"/>
+              <a:t>д</a:t>
+            </a:r>
+            <a:r>
+              <a:rPr lang="uk-UA" dirty="0" smtClean="0"/>
+              <a:t>екілька днів.</a:t>
+            </a:r>
+            <a:endParaRPr lang="ru-RU" dirty="0"/>
+          </a:p>
+        </p:txBody>
+      </p:sp>
+      <p:sp>
+        <p:nvSpPr>
+          <p:cNvPr id="5" name="Прямоугольник 4"/>
+          <p:cNvSpPr/>
+          <p:nvPr/>
+        </p:nvSpPr>
+        <p:spPr>
+          <a:xfrm>
+            <a:off x="5148064" y="3620532"/>
+            <a:ext cx="3756478" cy="646331"/>
+          </a:xfrm>
+          <a:prstGeom prst="rect">
+            <a:avLst/>
+          </a:prstGeom>
+        </p:spPr>
+        <p:txBody>
+          <a:bodyPr wrap="none">
+            <a:spAutoFit/>
+          </a:bodyPr>
+          <a:lstStyle/>
+          <a:p>
+            <a:r>
+              <a:rPr lang="uk-UA" dirty="0" smtClean="0"/>
+              <a:t>Виконані завдання </a:t>
+            </a:r>
+            <a:r>
+              <a:rPr lang="uk-UA" dirty="0" smtClean="0"/>
+              <a:t>за сьогодні, та </a:t>
+            </a:r>
+          </a:p>
+          <a:p>
+            <a:r>
+              <a:rPr lang="uk-UA" dirty="0" smtClean="0"/>
+              <a:t>завдання що потребують виконання</a:t>
+            </a:r>
+            <a:endParaRPr lang="ru-RU" dirty="0"/>
+          </a:p>
+        </p:txBody>
+      </p:sp>
       <p:pic>
         <p:nvPicPr>
-          <p:cNvPr id="4098" name="Picture 2" descr="Картинки по запросу &quot;график линии&quot;"/>
+          <p:cNvPr id="1026" name="Picture 2"/>
           <p:cNvPicPr>
             <a:picLocks noChangeAspect="1" noChangeArrowheads="1"/>
           </p:cNvPicPr>
@@ -4698,96 +4801,47 @@
         </p:blipFill>
         <p:spPr bwMode="auto">
           <a:xfrm>
-            <a:off x="155574" y="1189038"/>
-            <a:ext cx="4467225" cy="2286001"/>
+            <a:off x="647729" y="908720"/>
+            <a:ext cx="4149353" cy="2499092"/>
           </a:xfrm>
           <a:prstGeom prst="rect">
             <a:avLst/>
           </a:prstGeom>
           <a:noFill/>
+          <a:ln>
+            <a:noFill/>
+          </a:ln>
+          <a:effectLst/>
           <a:extLst>
             <a:ext uri="{909E8E84-426E-40DD-AFC4-6F175D3DCCD1}">
               <a14:hiddenFill xmlns:a14="http://schemas.microsoft.com/office/drawing/2010/main">
                 <a:solidFill>
-                  <a:srgbClr val="FFFFFF"/>
+                  <a:schemeClr val="accent1"/>
                 </a:solidFill>
               </a14:hiddenFill>
             </a:ext>
+            <a:ext uri="{91240B29-F687-4F45-9708-019B960494DF}">
+              <a14:hiddenLine xmlns:a14="http://schemas.microsoft.com/office/drawing/2010/main" w="9525">
+                <a:solidFill>
+                  <a:schemeClr val="tx1"/>
+                </a:solidFill>
+                <a:miter lim="800000"/>
+                <a:headEnd/>
+                <a:tailEnd/>
+              </a14:hiddenLine>
+            </a:ext>
+            <a:ext uri="{AF507438-7753-43E0-B8FC-AC1667EBCBE1}">
+              <a14:hiddenEffects xmlns:a14="http://schemas.microsoft.com/office/drawing/2010/main">
+                <a:effectLst>
+                  <a:outerShdw dist="35921" dir="2700000" algn="ctr" rotWithShape="0">
+                    <a:schemeClr val="bg2"/>
+                  </a:outerShdw>
+                </a:effectLst>
+              </a14:hiddenEffects>
+            </a:ext>
           </a:extLst>
         </p:spPr>
       </p:pic>
-      <p:sp>
-        <p:nvSpPr>
-          <p:cNvPr id="4" name="Прямоугольник 3"/>
-          <p:cNvSpPr/>
-          <p:nvPr/>
-        </p:nvSpPr>
-        <p:spPr>
-          <a:xfrm>
-            <a:off x="971600" y="3670375"/>
-            <a:ext cx="2409570" cy="369332"/>
-          </a:xfrm>
-          <a:prstGeom prst="rect">
-            <a:avLst/>
-          </a:prstGeom>
-        </p:spPr>
-        <p:txBody>
-          <a:bodyPr wrap="none">
-            <a:spAutoFit/>
-          </a:bodyPr>
-          <a:lstStyle/>
-          <a:p>
-            <a:r>
-              <a:rPr lang="ru-RU" dirty="0" smtClean="0"/>
-              <a:t>К</a:t>
-            </a:r>
-            <a:r>
-              <a:rPr lang="uk-UA" dirty="0" err="1" smtClean="0"/>
-              <a:t>ількість</a:t>
-            </a:r>
-            <a:r>
-              <a:rPr lang="uk-UA" dirty="0" smtClean="0"/>
-              <a:t> користувачів</a:t>
-            </a:r>
-            <a:endParaRPr lang="ru-RU" dirty="0"/>
-          </a:p>
-        </p:txBody>
-      </p:sp>
-      <p:sp>
-        <p:nvSpPr>
-          <p:cNvPr id="5" name="Прямоугольник 4"/>
-          <p:cNvSpPr/>
-          <p:nvPr/>
-        </p:nvSpPr>
-        <p:spPr>
-          <a:xfrm>
-            <a:off x="5589908" y="3613666"/>
-            <a:ext cx="2761782" cy="646331"/>
-          </a:xfrm>
-          <a:prstGeom prst="rect">
-            <a:avLst/>
-          </a:prstGeom>
-        </p:spPr>
-        <p:txBody>
-          <a:bodyPr wrap="none">
-            <a:spAutoFit/>
-          </a:bodyPr>
-          <a:lstStyle/>
-          <a:p>
-            <a:r>
-              <a:rPr lang="uk-UA" dirty="0" smtClean="0"/>
-              <a:t>Виконані завдання вчасно</a:t>
-            </a:r>
-          </a:p>
-          <a:p>
-            <a:r>
-              <a:rPr lang="uk-UA" dirty="0" smtClean="0"/>
-              <a:t>та виконані з затримкою</a:t>
-            </a:r>
-            <a:endParaRPr lang="ru-RU" dirty="0"/>
-          </a:p>
-        </p:txBody>
-      </p:sp>
     </p:spTree>
     <p:extLst>
       <p:ext uri="{BB962C8B-B14F-4D97-AF65-F5344CB8AC3E}">
@@ -4882,7 +4936,7 @@
       </p:sp>
       <p:pic>
         <p:nvPicPr>
-          <p:cNvPr id="5122" name="Picture 2"/>
+          <p:cNvPr id="2050" name="Picture 2"/>
           <p:cNvPicPr>
             <a:picLocks noChangeAspect="1" noChangeArrowheads="1"/>
           </p:cNvPicPr>
@@ -4903,8 +4957,136 @@
         </p:blipFill>
         <p:spPr bwMode="auto">
           <a:xfrm>
-            <a:off x="1619672" y="1124744"/>
-            <a:ext cx="5973763" cy="5372100"/>
+            <a:off x="179512" y="1196752"/>
+            <a:ext cx="4990976" cy="3105377"/>
+          </a:xfrm>
+          <a:prstGeom prst="rect">
+            <a:avLst/>
+          </a:prstGeom>
+          <a:noFill/>
+          <a:ln>
+            <a:noFill/>
+          </a:ln>
+          <a:effectLst/>
+          <a:extLst>
+            <a:ext uri="{909E8E84-426E-40DD-AFC4-6F175D3DCCD1}">
+              <a14:hiddenFill xmlns:a14="http://schemas.microsoft.com/office/drawing/2010/main">
+                <a:solidFill>
+                  <a:schemeClr val="accent1"/>
+                </a:solidFill>
+              </a14:hiddenFill>
+            </a:ext>
+            <a:ext uri="{91240B29-F687-4F45-9708-019B960494DF}">
+              <a14:hiddenLine xmlns:a14="http://schemas.microsoft.com/office/drawing/2010/main" w="9525">
+                <a:solidFill>
+                  <a:schemeClr val="tx1"/>
+                </a:solidFill>
+                <a:miter lim="800000"/>
+                <a:headEnd/>
+                <a:tailEnd/>
+              </a14:hiddenLine>
+            </a:ext>
+            <a:ext uri="{AF507438-7753-43E0-B8FC-AC1667EBCBE1}">
+              <a14:hiddenEffects xmlns:a14="http://schemas.microsoft.com/office/drawing/2010/main">
+                <a:effectLst>
+                  <a:outerShdw dist="35921" dir="2700000" algn="ctr" rotWithShape="0">
+                    <a:schemeClr val="bg2"/>
+                  </a:outerShdw>
+                </a:effectLst>
+              </a14:hiddenEffects>
+            </a:ext>
+          </a:extLst>
+        </p:spPr>
+      </p:pic>
+      <p:pic>
+        <p:nvPicPr>
+          <p:cNvPr id="2051" name="Picture 3"/>
+          <p:cNvPicPr>
+            <a:picLocks noChangeAspect="1" noChangeArrowheads="1"/>
+          </p:cNvPicPr>
+          <p:nvPr/>
+        </p:nvPicPr>
+        <p:blipFill>
+          <a:blip r:embed="rId3" cstate="print">
+            <a:extLst>
+              <a:ext uri="{28A0092B-C50C-407E-A947-70E740481C1C}">
+                <a14:useLocalDpi xmlns:a14="http://schemas.microsoft.com/office/drawing/2010/main" val="0"/>
+              </a:ext>
+            </a:extLst>
+          </a:blip>
+          <a:srcRect/>
+          <a:stretch>
+            <a:fillRect/>
+          </a:stretch>
+        </p:blipFill>
+        <p:spPr bwMode="auto">
+          <a:xfrm>
+            <a:off x="4211960" y="1340768"/>
+            <a:ext cx="4211960" cy="2492272"/>
+          </a:xfrm>
+          <a:prstGeom prst="rect">
+            <a:avLst/>
+          </a:prstGeom>
+          <a:noFill/>
+          <a:ln>
+            <a:noFill/>
+          </a:ln>
+          <a:effectLst/>
+          <a:extLst>
+            <a:ext uri="{909E8E84-426E-40DD-AFC4-6F175D3DCCD1}">
+              <a14:hiddenFill xmlns:a14="http://schemas.microsoft.com/office/drawing/2010/main">
+                <a:solidFill>
+                  <a:schemeClr val="accent1"/>
+                </a:solidFill>
+              </a14:hiddenFill>
+            </a:ext>
+            <a:ext uri="{91240B29-F687-4F45-9708-019B960494DF}">
+              <a14:hiddenLine xmlns:a14="http://schemas.microsoft.com/office/drawing/2010/main" w="9525">
+                <a:solidFill>
+                  <a:schemeClr val="tx1"/>
+                </a:solidFill>
+                <a:miter lim="800000"/>
+                <a:headEnd/>
+                <a:tailEnd/>
+              </a14:hiddenLine>
+            </a:ext>
+            <a:ext uri="{AF507438-7753-43E0-B8FC-AC1667EBCBE1}">
+              <a14:hiddenEffects xmlns:a14="http://schemas.microsoft.com/office/drawing/2010/main">
+                <a:effectLst>
+                  <a:outerShdw dist="35921" dir="2700000" algn="ctr" rotWithShape="0">
+                    <a:schemeClr val="bg2"/>
+                  </a:outerShdw>
+                </a:effectLst>
+              </a14:hiddenEffects>
+            </a:ext>
+          </a:extLst>
+        </p:spPr>
+      </p:pic>
+      <p:pic>
+        <p:nvPicPr>
+          <p:cNvPr id="2052" name="Picture 4"/>
+          <p:cNvPicPr>
+            <a:picLocks noChangeAspect="1" noChangeArrowheads="1"/>
+          </p:cNvPicPr>
+          <p:nvPr/>
+        </p:nvPicPr>
+        <p:blipFill>
+          <a:blip r:embed="rId4" cstate="print">
+            <a:extLst>
+              <a:ext uri="{28A0092B-C50C-407E-A947-70E740481C1C}">
+                <a14:useLocalDpi xmlns:a14="http://schemas.microsoft.com/office/drawing/2010/main" val="0"/>
+              </a:ext>
+            </a:extLst>
+          </a:blip>
+          <a:srcRect/>
+          <a:stretch>
+            <a:fillRect/>
+          </a:stretch>
+        </p:blipFill>
+        <p:spPr bwMode="auto">
+          <a:xfrm>
+            <a:off x="2123728" y="3861048"/>
+            <a:ext cx="5680410" cy="2500365"/>
           </a:xfrm>
           <a:prstGeom prst="rect">
             <a:avLst/>
